--- a/Trabajo almacenamiento cliente.pptx
+++ b/Trabajo almacenamiento cliente.pptx
@@ -16,11 +16,13 @@
     <p:sldId id="264" r:id="rId10"/>
     <p:sldId id="265" r:id="rId11"/>
     <p:sldId id="269" r:id="rId12"/>
-    <p:sldId id="266" r:id="rId13"/>
-    <p:sldId id="267" r:id="rId14"/>
-    <p:sldId id="268" r:id="rId15"/>
-    <p:sldId id="270" r:id="rId16"/>
-    <p:sldId id="271" r:id="rId17"/>
+    <p:sldId id="272" r:id="rId13"/>
+    <p:sldId id="266" r:id="rId14"/>
+    <p:sldId id="267" r:id="rId15"/>
+    <p:sldId id="268" r:id="rId16"/>
+    <p:sldId id="270" r:id="rId17"/>
+    <p:sldId id="271" r:id="rId18"/>
+    <p:sldId id="273" r:id="rId19"/>
   </p:sldIdLst>
   <p:sldSz cx="12192000" cy="6858000"/>
   <p:notesSz cx="6858000" cy="9144000"/>
@@ -29008,12 +29010,28 @@
           <a:lstStyle/>
           <a:p>
             <a:r>
-              <a:rPr lang="es-ES">
+              <a:rPr lang="es-ES" dirty="0">
                 <a:solidFill>
                   <a:srgbClr val="FFFFFF"/>
                 </a:solidFill>
               </a:rPr>
-              <a:t>Especificación webstorage de la w3c</a:t>
+              <a:t>Especificación </a:t>
+            </a:r>
+            <a:r>
+              <a:rPr lang="es-ES" dirty="0" err="1">
+                <a:solidFill>
+                  <a:srgbClr val="FFFFFF"/>
+                </a:solidFill>
+              </a:rPr>
+              <a:t>webstorage</a:t>
+            </a:r>
+            <a:r>
+              <a:rPr lang="es-ES" dirty="0">
+                <a:solidFill>
+                  <a:srgbClr val="FFFFFF"/>
+                </a:solidFill>
+              </a:rPr>
+              <a:t> de la w3c</a:t>
             </a:r>
           </a:p>
         </p:txBody>
@@ -29658,6 +29676,172 @@
   <p:cSld>
     <p:bg>
       <p:bgPr>
+        <a:blipFill>
+          <a:blip r:embed="rId2"/>
+          <a:stretch/>
+        </a:blipFill>
+        <a:effectLst/>
+      </p:bgPr>
+    </p:bg>
+    <p:spTree>
+      <p:nvGrpSpPr>
+        <p:cNvPr id="1" name=""/>
+        <p:cNvGrpSpPr/>
+        <p:nvPr/>
+      </p:nvGrpSpPr>
+      <p:grpSpPr>
+        <a:xfrm>
+          <a:off x="0" y="0"/>
+          <a:ext cx="0" cy="0"/>
+          <a:chOff x="0" y="0"/>
+          <a:chExt cx="0" cy="0"/>
+        </a:xfrm>
+      </p:grpSpPr>
+      <p:sp>
+        <p:nvSpPr>
+          <p:cNvPr id="2" name="Título 1">
+            <a:extLst>
+              <a:ext uri="{FF2B5EF4-FFF2-40B4-BE49-F238E27FC236}">
+                <a16:creationId xmlns:a16="http://schemas.microsoft.com/office/drawing/2014/main" id="{921C7A57-1256-904A-97CE-2B3CF8D98208}"/>
+              </a:ext>
+            </a:extLst>
+          </p:cNvPr>
+          <p:cNvSpPr>
+            <a:spLocks noGrp="1"/>
+          </p:cNvSpPr>
+          <p:nvPr>
+            <p:ph type="title"/>
+          </p:nvPr>
+        </p:nvSpPr>
+        <p:spPr>
+          <a:xfrm>
+            <a:off x="2445697" y="75181"/>
+            <a:ext cx="7300605" cy="1608124"/>
+          </a:xfrm>
+        </p:spPr>
+        <p:txBody>
+          <a:bodyPr>
+            <a:normAutofit/>
+          </a:bodyPr>
+          <a:lstStyle/>
+          <a:p>
+            <a:pPr>
+              <a:lnSpc>
+                <a:spcPct val="90000"/>
+              </a:lnSpc>
+            </a:pPr>
+            <a:r>
+              <a:rPr lang="es-ES" dirty="0"/>
+              <a:t>Compatibilidad con navegadores</a:t>
+            </a:r>
+          </a:p>
+        </p:txBody>
+      </p:sp>
+      <p:pic>
+        <p:nvPicPr>
+          <p:cNvPr id="5" name="Marcador de contenido 4" descr="Captura de pantalla de un celular&#10;&#10;Descripción generada automáticamente">
+            <a:extLst>
+              <a:ext uri="{FF2B5EF4-FFF2-40B4-BE49-F238E27FC236}">
+                <a16:creationId xmlns:a16="http://schemas.microsoft.com/office/drawing/2014/main" id="{517A0407-7770-904C-B45B-B239E3632AB1}"/>
+              </a:ext>
+            </a:extLst>
+          </p:cNvPr>
+          <p:cNvPicPr>
+            <a:picLocks noChangeAspect="1"/>
+          </p:cNvPicPr>
+          <p:nvPr/>
+        </p:nvPicPr>
+        <p:blipFill>
+          <a:blip r:embed="rId3"/>
+          <a:stretch>
+            <a:fillRect/>
+          </a:stretch>
+        </p:blipFill>
+        <p:spPr>
+          <a:xfrm>
+            <a:off x="643464" y="1683305"/>
+            <a:ext cx="6897878" cy="3500671"/>
+          </a:xfrm>
+          <a:prstGeom prst="roundRect">
+            <a:avLst>
+              <a:gd name="adj" fmla="val 4380"/>
+            </a:avLst>
+          </a:prstGeom>
+          <a:ln w="50800" cap="sq" cmpd="dbl">
+            <a:gradFill flip="none" rotWithShape="1">
+              <a:gsLst>
+                <a:gs pos="0">
+                  <a:srgbClr val="FFFFFF"/>
+                </a:gs>
+                <a:gs pos="100000">
+                  <a:schemeClr val="tx1">
+                    <a:alpha val="0"/>
+                  </a:schemeClr>
+                </a:gs>
+              </a:gsLst>
+              <a:path path="circle">
+                <a:fillToRect l="50000" t="50000" r="50000" b="50000"/>
+              </a:path>
+              <a:tileRect/>
+            </a:gradFill>
+            <a:miter lim="800000"/>
+          </a:ln>
+          <a:effectLst>
+            <a:outerShdw blurRad="254000" algn="tl" rotWithShape="0">
+              <a:srgbClr val="000000">
+                <a:alpha val="43000"/>
+              </a:srgbClr>
+            </a:outerShdw>
+          </a:effectLst>
+        </p:spPr>
+      </p:pic>
+      <p:pic>
+        <p:nvPicPr>
+          <p:cNvPr id="7" name="Marcador de contenido 6" descr="Captura de pantalla con letras y números&#10;&#10;Descripción generada automáticamente">
+            <a:extLst>
+              <a:ext uri="{FF2B5EF4-FFF2-40B4-BE49-F238E27FC236}">
+                <a16:creationId xmlns:a16="http://schemas.microsoft.com/office/drawing/2014/main" id="{9A9BB38C-52E2-9546-B9CC-9EED34CD1ECF}"/>
+              </a:ext>
+            </a:extLst>
+          </p:cNvPr>
+          <p:cNvPicPr>
+            <a:picLocks noGrp="1" noChangeAspect="1"/>
+          </p:cNvPicPr>
+          <p:nvPr>
+            <p:ph idx="1"/>
+          </p:nvPr>
+        </p:nvPicPr>
+        <p:blipFill>
+          <a:blip r:embed="rId4"/>
+          <a:stretch>
+            <a:fillRect/>
+          </a:stretch>
+        </p:blipFill>
+        <p:spPr>
+          <a:xfrm>
+            <a:off x="7841724" y="2672585"/>
+            <a:ext cx="3706812" cy="2612575"/>
+          </a:xfrm>
+        </p:spPr>
+      </p:pic>
+    </p:spTree>
+    <p:extLst>
+      <p:ext uri="{BB962C8B-B14F-4D97-AF65-F5344CB8AC3E}">
+        <p14:creationId xmlns:p14="http://schemas.microsoft.com/office/powerpoint/2010/main" val="3184781605"/>
+      </p:ext>
+    </p:extLst>
+  </p:cSld>
+  <p:clrMapOvr>
+    <a:masterClrMapping/>
+  </p:clrMapOvr>
+</p:sld>
+</file>
+
+<file path=ppt/slides/slide13.xml><?xml version="1.0" encoding="utf-8"?>
+<p:sld xmlns:a="http://schemas.openxmlformats.org/drawingml/2006/main" xmlns:r="http://schemas.openxmlformats.org/officeDocument/2006/relationships" xmlns:p="http://schemas.openxmlformats.org/presentationml/2006/main">
+  <p:cSld>
+    <p:bg>
+      <p:bgPr>
         <a:solidFill>
           <a:schemeClr val="bg1"/>
         </a:solidFill>
@@ -29977,7 +30161,7 @@
 </p:sld>
 </file>
 
-<file path=ppt/slides/slide13.xml><?xml version="1.0" encoding="utf-8"?>
+<file path=ppt/slides/slide14.xml><?xml version="1.0" encoding="utf-8"?>
 <p:sld xmlns:a="http://schemas.openxmlformats.org/drawingml/2006/main" xmlns:r="http://schemas.openxmlformats.org/officeDocument/2006/relationships" xmlns:p="http://schemas.openxmlformats.org/presentationml/2006/main">
   <p:cSld>
     <p:bg>
@@ -30003,66 +30187,6 @@
           <a:chExt cx="0" cy="0"/>
         </a:xfrm>
       </p:grpSpPr>
-      <p:sp useBgFill="1">
-        <p:nvSpPr>
-          <p:cNvPr id="38" name="Rectangle 37">
-            <a:extLst>
-              <a:ext uri="{FF2B5EF4-FFF2-40B4-BE49-F238E27FC236}">
-                <a16:creationId xmlns:a16="http://schemas.microsoft.com/office/drawing/2014/main" id="{50E53EDA-3B94-4F6B-9E86-D3BB9EBB9616}"/>
-              </a:ext>
-              <a:ext uri="{C183D7F6-B498-43B3-948B-1728B52AA6E4}">
-                <adec:decorative xmlns:adec="http://schemas.microsoft.com/office/drawing/2017/decorative" val="1"/>
-              </a:ext>
-            </a:extLst>
-          </p:cNvPr>
-          <p:cNvSpPr>
-            <a:spLocks noGrp="1" noRot="1" noChangeAspect="1" noMove="1" noResize="1" noEditPoints="1" noAdjustHandles="1" noChangeArrowheads="1" noChangeShapeType="1" noTextEdit="1"/>
-          </p:cNvSpPr>
-          <p:nvPr>
-            <p:extLst>
-              <p:ext uri="{386F3935-93C4-4BCD-93E2-E3B085C9AB24}">
-                <p16:designElem xmlns:p16="http://schemas.microsoft.com/office/powerpoint/2015/main" val="1"/>
-              </p:ext>
-            </p:extLst>
-          </p:nvPr>
-        </p:nvSpPr>
-        <p:spPr>
-          <a:xfrm>
-            <a:off x="0" y="0"/>
-            <a:ext cx="12192000" cy="6858000"/>
-          </a:xfrm>
-          <a:prstGeom prst="rect">
-            <a:avLst/>
-          </a:prstGeom>
-          <a:ln>
-            <a:noFill/>
-          </a:ln>
-        </p:spPr>
-        <p:style>
-          <a:lnRef idx="2">
-            <a:schemeClr val="accent1">
-              <a:shade val="50000"/>
-            </a:schemeClr>
-          </a:lnRef>
-          <a:fillRef idx="1">
-            <a:schemeClr val="accent1"/>
-          </a:fillRef>
-          <a:effectRef idx="0">
-            <a:schemeClr val="accent1"/>
-          </a:effectRef>
-          <a:fontRef idx="minor">
-            <a:schemeClr val="lt1"/>
-          </a:fontRef>
-        </p:style>
-        <p:txBody>
-          <a:bodyPr rtlCol="0" anchor="ctr"/>
-          <a:lstStyle/>
-          <a:p>
-            <a:pPr algn="ctr"/>
-            <a:endParaRPr lang="en-US"/>
-          </a:p>
-        </p:txBody>
-      </p:sp>
       <p:sp>
         <p:nvSpPr>
           <p:cNvPr id="2" name="Título 1">
@@ -30081,8 +30205,8 @@
         </p:nvSpPr>
         <p:spPr>
           <a:xfrm>
-            <a:off x="685799" y="1150076"/>
-            <a:ext cx="3659389" cy="4557849"/>
+            <a:off x="825909" y="808055"/>
+            <a:ext cx="3979205" cy="1453363"/>
           </a:xfrm>
         </p:spPr>
         <p:txBody>
@@ -30091,7 +30215,6 @@
           </a:bodyPr>
           <a:lstStyle/>
           <a:p>
-            <a:pPr algn="r"/>
             <a:r>
               <a:rPr lang="es-ES"/>
               <a:t>El objeto sessionstorage</a:t>
@@ -30099,54 +30222,6 @@
           </a:p>
         </p:txBody>
       </p:sp>
-      <p:cxnSp>
-        <p:nvCxnSpPr>
-          <p:cNvPr id="40" name="Straight Connector 39">
-            <a:extLst>
-              <a:ext uri="{FF2B5EF4-FFF2-40B4-BE49-F238E27FC236}">
-                <a16:creationId xmlns:a16="http://schemas.microsoft.com/office/drawing/2014/main" id="{30EFD79F-7790-479B-B7DB-BD0D8C101DDD}"/>
-              </a:ext>
-              <a:ext uri="{C183D7F6-B498-43B3-948B-1728B52AA6E4}">
-                <adec:decorative xmlns:adec="http://schemas.microsoft.com/office/drawing/2017/decorative" val="1"/>
-              </a:ext>
-            </a:extLst>
-          </p:cNvPr>
-          <p:cNvCxnSpPr>
-            <a:cxnSpLocks noGrp="1" noRot="1" noChangeAspect="1" noMove="1" noResize="1" noEditPoints="1" noAdjustHandles="1" noChangeArrowheads="1" noChangeShapeType="1"/>
-          </p:cNvCxnSpPr>
-          <p:nvPr>
-            <p:extLst>
-              <p:ext uri="{386F3935-93C4-4BCD-93E2-E3B085C9AB24}">
-                <p16:designElem xmlns:p16="http://schemas.microsoft.com/office/powerpoint/2015/main" val="1"/>
-              </p:ext>
-            </p:extLst>
-          </p:nvPr>
-        </p:nvCxnSpPr>
-        <p:spPr>
-          <a:xfrm>
-            <a:off x="4666923" y="1668780"/>
-            <a:ext cx="0" cy="3520440"/>
-          </a:xfrm>
-          <a:prstGeom prst="line">
-            <a:avLst/>
-          </a:prstGeom>
-          <a:ln w="19050"/>
-        </p:spPr>
-        <p:style>
-          <a:lnRef idx="1">
-            <a:schemeClr val="accent1"/>
-          </a:lnRef>
-          <a:fillRef idx="0">
-            <a:schemeClr val="accent1"/>
-          </a:fillRef>
-          <a:effectRef idx="0">
-            <a:schemeClr val="accent1"/>
-          </a:effectRef>
-          <a:fontRef idx="minor">
-            <a:schemeClr val="tx1"/>
-          </a:fontRef>
-        </p:style>
-      </p:cxnSp>
       <p:sp>
         <p:nvSpPr>
           <p:cNvPr id="3" name="Marcador de contenido 2">
@@ -30165,8 +30240,8 @@
         </p:nvSpPr>
         <p:spPr>
           <a:xfrm>
-            <a:off x="4988658" y="1150076"/>
-            <a:ext cx="6517543" cy="4557849"/>
+            <a:off x="802178" y="2261420"/>
+            <a:ext cx="4002936" cy="3637935"/>
           </a:xfrm>
         </p:spPr>
         <p:txBody>
@@ -30183,6 +30258,73 @@
           </a:p>
         </p:txBody>
       </p:sp>
+      <p:pic>
+        <p:nvPicPr>
+          <p:cNvPr id="44" name="Graphic 43">
+            <a:extLst>
+              <a:ext uri="{FF2B5EF4-FFF2-40B4-BE49-F238E27FC236}">
+                <a16:creationId xmlns:a16="http://schemas.microsoft.com/office/drawing/2014/main" id="{3ED1F504-EE0D-4F7E-8148-52054CEE11EE}"/>
+              </a:ext>
+            </a:extLst>
+          </p:cNvPr>
+          <p:cNvPicPr>
+            <a:picLocks noChangeAspect="1"/>
+          </p:cNvPicPr>
+          <p:nvPr/>
+        </p:nvPicPr>
+        <p:blipFill>
+          <a:blip r:embed="rId3">
+            <a:extLst>
+              <a:ext uri="{28A0092B-C50C-407E-A947-70E740481C1C}">
+                <a14:useLocalDpi xmlns:a14="http://schemas.microsoft.com/office/drawing/2010/main" val="0"/>
+              </a:ext>
+              <a:ext uri="{96DAC541-7B7A-43D3-8B79-37D633B846F1}">
+                <asvg:svgBlip xmlns:asvg="http://schemas.microsoft.com/office/drawing/2016/SVG/main" r:embed="rId4"/>
+              </a:ext>
+            </a:extLst>
+          </a:blip>
+          <a:stretch>
+            <a:fillRect/>
+          </a:stretch>
+        </p:blipFill>
+        <p:spPr>
+          <a:xfrm>
+            <a:off x="5786077" y="796413"/>
+            <a:ext cx="5102943" cy="5102943"/>
+          </a:xfrm>
+          <a:prstGeom prst="roundRect">
+            <a:avLst>
+              <a:gd name="adj" fmla="val 4380"/>
+            </a:avLst>
+          </a:prstGeom>
+          <a:ln w="50800" cap="sq" cmpd="dbl">
+            <a:gradFill flip="none" rotWithShape="1">
+              <a:gsLst>
+                <a:gs pos="0">
+                  <a:srgbClr val="FFFFFF"/>
+                </a:gs>
+                <a:gs pos="100000">
+                  <a:schemeClr val="tx1">
+                    <a:alpha val="0"/>
+                  </a:schemeClr>
+                </a:gs>
+              </a:gsLst>
+              <a:path path="circle">
+                <a:fillToRect l="50000" t="50000" r="50000" b="50000"/>
+              </a:path>
+              <a:tileRect/>
+            </a:gradFill>
+            <a:miter lim="800000"/>
+          </a:ln>
+          <a:effectLst>
+            <a:outerShdw blurRad="254000" algn="tl" rotWithShape="0">
+              <a:srgbClr val="000000">
+                <a:alpha val="43000"/>
+              </a:srgbClr>
+            </a:outerShdw>
+          </a:effectLst>
+        </p:spPr>
+      </p:pic>
     </p:spTree>
     <p:extLst>
       <p:ext uri="{BB962C8B-B14F-4D97-AF65-F5344CB8AC3E}">
@@ -30191,12 +30333,12 @@
     </p:extLst>
   </p:cSld>
   <p:clrMapOvr>
-    <a:overrideClrMapping bg1="dk1" tx1="lt1" bg2="dk2" tx2="lt2" accent1="accent1" accent2="accent2" accent3="accent3" accent4="accent4" accent5="accent5" accent6="accent6" hlink="hlink" folHlink="folHlink"/>
+    <a:masterClrMapping/>
   </p:clrMapOvr>
 </p:sld>
 </file>
 
-<file path=ppt/slides/slide14.xml><?xml version="1.0" encoding="utf-8"?>
+<file path=ppt/slides/slide15.xml><?xml version="1.0" encoding="utf-8"?>
 <p:sld xmlns:a="http://schemas.openxmlformats.org/drawingml/2006/main" xmlns:r="http://schemas.openxmlformats.org/officeDocument/2006/relationships" xmlns:p="http://schemas.openxmlformats.org/presentationml/2006/main">
   <p:cSld>
     <p:spTree>
@@ -30281,11 +30423,19 @@
               <a:t>- </a:t>
             </a:r>
             <a:r>
-              <a:rPr lang="es-ES" dirty="0" err="1"/>
+              <a:rPr lang="es-ES" dirty="0" err="1">
+                <a:solidFill>
+                  <a:srgbClr val="FF0000"/>
+                </a:solidFill>
+              </a:rPr>
               <a:t>sessionStorage.setItem</a:t>
             </a:r>
             <a:r>
-              <a:rPr lang="es-ES" dirty="0"/>
+              <a:rPr lang="es-ES" dirty="0">
+                <a:solidFill>
+                  <a:srgbClr val="FF0000"/>
+                </a:solidFill>
+              </a:rPr>
               <a:t>(clave, valor);</a:t>
             </a:r>
           </a:p>
@@ -30295,11 +30445,19 @@
               <a:t>- </a:t>
             </a:r>
             <a:r>
-              <a:rPr lang="es-ES" dirty="0" err="1"/>
+              <a:rPr lang="es-ES" dirty="0" err="1">
+                <a:solidFill>
+                  <a:srgbClr val="FF0000"/>
+                </a:solidFill>
+              </a:rPr>
               <a:t>sessionStorage.getItem</a:t>
             </a:r>
             <a:r>
-              <a:rPr lang="es-ES" dirty="0"/>
+              <a:rPr lang="es-ES" dirty="0">
+                <a:solidFill>
+                  <a:srgbClr val="FF0000"/>
+                </a:solidFill>
+              </a:rPr>
               <a:t>(clave);</a:t>
             </a:r>
           </a:p>
@@ -30309,11 +30467,19 @@
               <a:t>- </a:t>
             </a:r>
             <a:r>
-              <a:rPr lang="es-ES" dirty="0" err="1"/>
+              <a:rPr lang="es-ES" dirty="0" err="1">
+                <a:solidFill>
+                  <a:srgbClr val="FF0000"/>
+                </a:solidFill>
+              </a:rPr>
               <a:t>sessionStorage.revokeItem</a:t>
             </a:r>
             <a:r>
-              <a:rPr lang="es-ES" dirty="0"/>
+              <a:rPr lang="es-ES" dirty="0">
+                <a:solidFill>
+                  <a:srgbClr val="FF0000"/>
+                </a:solidFill>
+              </a:rPr>
               <a:t>(clave);</a:t>
             </a:r>
           </a:p>
@@ -30323,10 +30489,28 @@
           <a:p>
             <a:r>
               <a:rPr lang="es-ES" dirty="0"/>
-              <a:t>Interesante será usar la propiedad </a:t>
+              <a:t>Interesante será usar la </a:t>
             </a:r>
             <a:r>
-              <a:rPr lang="es-ES" dirty="0" err="1"/>
+              <a:rPr lang="es-ES" dirty="0">
+                <a:solidFill>
+                  <a:schemeClr val="bg1">
+                    <a:lumMod val="95000"/>
+                    <a:lumOff val="5000"/>
+                  </a:schemeClr>
+                </a:solidFill>
+              </a:rPr>
+              <a:t>propiedad </a:t>
+            </a:r>
+            <a:r>
+              <a:rPr lang="es-ES" dirty="0" err="1">
+                <a:solidFill>
+                  <a:schemeClr val="bg1">
+                    <a:lumMod val="95000"/>
+                    <a:lumOff val="5000"/>
+                  </a:schemeClr>
+                </a:solidFill>
+              </a:rPr>
               <a:t>length</a:t>
             </a:r>
             <a:r>
@@ -30349,7 +30533,7 @@
 </p:sld>
 </file>
 
-<file path=ppt/slides/slide15.xml><?xml version="1.0" encoding="utf-8"?>
+<file path=ppt/slides/slide16.xml><?xml version="1.0" encoding="utf-8"?>
 <p:sld xmlns:a="http://schemas.openxmlformats.org/drawingml/2006/main" xmlns:r="http://schemas.openxmlformats.org/officeDocument/2006/relationships" xmlns:p="http://schemas.openxmlformats.org/presentationml/2006/main">
   <p:cSld>
     <p:bg>
@@ -30455,7 +30639,7 @@
 </p:sld>
 </file>
 
-<file path=ppt/slides/slide16.xml><?xml version="1.0" encoding="utf-8"?>
+<file path=ppt/slides/slide17.xml><?xml version="1.0" encoding="utf-8"?>
 <p:sld xmlns:a="http://schemas.openxmlformats.org/drawingml/2006/main" xmlns:r="http://schemas.openxmlformats.org/officeDocument/2006/relationships" xmlns:p="http://schemas.openxmlformats.org/presentationml/2006/main">
   <p:cSld>
     <p:spTree>
@@ -30493,9 +30677,98 @@
           <a:bodyPr/>
           <a:lstStyle/>
           <a:p>
+            <a:pPr algn="ctr"/>
             <a:r>
               <a:rPr lang="es-ES" dirty="0"/>
               <a:t>Vamos a poner un código de ejemplo </a:t>
+            </a:r>
+          </a:p>
+        </p:txBody>
+      </p:sp>
+      <p:pic>
+        <p:nvPicPr>
+          <p:cNvPr id="7" name="Marcador de contenido 4">
+            <a:extLst>
+              <a:ext uri="{FF2B5EF4-FFF2-40B4-BE49-F238E27FC236}">
+                <a16:creationId xmlns:a16="http://schemas.microsoft.com/office/drawing/2014/main" id="{175F367B-A713-B641-94AA-A2A70C2CAD77}"/>
+              </a:ext>
+            </a:extLst>
+          </p:cNvPr>
+          <p:cNvPicPr>
+            <a:picLocks noGrp="1" noChangeAspect="1"/>
+          </p:cNvPicPr>
+          <p:nvPr>
+            <p:ph idx="1"/>
+          </p:nvPr>
+        </p:nvPicPr>
+        <p:blipFill>
+          <a:blip r:embed="rId2"/>
+          <a:stretch>
+            <a:fillRect/>
+          </a:stretch>
+        </p:blipFill>
+        <p:spPr>
+          <a:xfrm>
+            <a:off x="2474831" y="2141538"/>
+            <a:ext cx="6553362" cy="3649662"/>
+          </a:xfrm>
+        </p:spPr>
+      </p:pic>
+    </p:spTree>
+    <p:extLst>
+      <p:ext uri="{BB962C8B-B14F-4D97-AF65-F5344CB8AC3E}">
+        <p14:creationId xmlns:p14="http://schemas.microsoft.com/office/powerpoint/2010/main" val="4112960781"/>
+      </p:ext>
+    </p:extLst>
+  </p:cSld>
+  <p:clrMapOvr>
+    <a:masterClrMapping/>
+  </p:clrMapOvr>
+</p:sld>
+</file>
+
+<file path=ppt/slides/slide18.xml><?xml version="1.0" encoding="utf-8"?>
+<p:sld xmlns:a="http://schemas.openxmlformats.org/drawingml/2006/main" xmlns:r="http://schemas.openxmlformats.org/officeDocument/2006/relationships" xmlns:p="http://schemas.openxmlformats.org/presentationml/2006/main">
+  <p:cSld>
+    <p:spTree>
+      <p:nvGrpSpPr>
+        <p:cNvPr id="1" name=""/>
+        <p:cNvGrpSpPr/>
+        <p:nvPr/>
+      </p:nvGrpSpPr>
+      <p:grpSpPr>
+        <a:xfrm>
+          <a:off x="0" y="0"/>
+          <a:ext cx="0" cy="0"/>
+          <a:chOff x="0" y="0"/>
+          <a:chExt cx="0" cy="0"/>
+        </a:xfrm>
+      </p:grpSpPr>
+      <p:sp>
+        <p:nvSpPr>
+          <p:cNvPr id="2" name="Título 1">
+            <a:extLst>
+              <a:ext uri="{FF2B5EF4-FFF2-40B4-BE49-F238E27FC236}">
+                <a16:creationId xmlns:a16="http://schemas.microsoft.com/office/drawing/2014/main" id="{67092E54-DB55-F841-A4EC-BB123F01D1B6}"/>
+              </a:ext>
+            </a:extLst>
+          </p:cNvPr>
+          <p:cNvSpPr>
+            <a:spLocks noGrp="1"/>
+          </p:cNvSpPr>
+          <p:nvPr>
+            <p:ph type="title"/>
+          </p:nvPr>
+        </p:nvSpPr>
+        <p:spPr/>
+        <p:txBody>
+          <a:bodyPr/>
+          <a:lstStyle/>
+          <a:p>
+            <a:pPr algn="ctr"/>
+            <a:r>
+              <a:rPr lang="es-ES" dirty="0"/>
+              <a:t>BIBLIOGRAFÍA</a:t>
             </a:r>
           </a:p>
         </p:txBody>
@@ -30505,7 +30778,7 @@
           <p:cNvPr id="3" name="Marcador de contenido 2">
             <a:extLst>
               <a:ext uri="{FF2B5EF4-FFF2-40B4-BE49-F238E27FC236}">
-                <a16:creationId xmlns:a16="http://schemas.microsoft.com/office/drawing/2014/main" id="{9A645C96-7707-A747-8EF1-5E7841C70376}"/>
+                <a16:creationId xmlns:a16="http://schemas.microsoft.com/office/drawing/2014/main" id="{F5AEDC95-7716-F64C-B816-E8E576C90151}"/>
               </a:ext>
             </a:extLst>
           </p:cNvPr>
@@ -30518,17 +30791,209 @@
         </p:nvSpPr>
         <p:spPr/>
         <p:txBody>
-          <a:bodyPr/>
+          <a:bodyPr>
+            <a:normAutofit fontScale="92500" lnSpcReduction="20000"/>
+          </a:bodyPr>
           <a:lstStyle/>
           <a:p>
-            <a:endParaRPr lang="es-ES"/>
+            <a:pPr marL="0" indent="0">
+              <a:buNone/>
+            </a:pPr>
+            <a:r>
+              <a:rPr lang="es-ES" dirty="0">
+                <a:hlinkClick r:id="rId2">
+                  <a:extLst>
+                    <a:ext uri="{A12FA001-AC4F-418D-AE19-62706E023703}">
+                      <ahyp:hlinkClr xmlns:ahyp="http://schemas.microsoft.com/office/drawing/2018/hyperlinkcolor" val="tx"/>
+                    </a:ext>
+                  </a:extLst>
+                </a:hlinkClick>
+              </a:rPr>
+              <a:t>- Oscar Lijo: compatibilidad de navegadores.</a:t>
+            </a:r>
+          </a:p>
+          <a:p>
+            <a:pPr marL="0" indent="0">
+              <a:buNone/>
+            </a:pPr>
+            <a:r>
+              <a:rPr lang="es-ES" dirty="0">
+                <a:hlinkClick r:id="rId2"/>
+              </a:rPr>
+              <a:t> </a:t>
+            </a:r>
+            <a:r>
+              <a:rPr lang="es-ES" dirty="0">
+                <a:hlinkClick r:id="rId2"/>
+              </a:rPr>
+              <a:t>https://www.oscarlijo.com/blog/localstorage-y-sessionstorage/</a:t>
+            </a:r>
+            <a:endParaRPr lang="es-ES" dirty="0"/>
+          </a:p>
+          <a:p>
+            <a:pPr marL="0" indent="0">
+              <a:buNone/>
+            </a:pPr>
+            <a:r>
+              <a:rPr lang="es-ES" u="sng" dirty="0"/>
+              <a:t>- </a:t>
+            </a:r>
+            <a:r>
+              <a:rPr lang="es-ES" u="sng" dirty="0" err="1"/>
+              <a:t>Webplatform</a:t>
+            </a:r>
+            <a:r>
+              <a:rPr lang="es-ES" u="sng" dirty="0"/>
+              <a:t>: </a:t>
+            </a:r>
+            <a:r>
+              <a:rPr lang="es-ES" u="sng" dirty="0" err="1"/>
+              <a:t>application</a:t>
+            </a:r>
+            <a:r>
+              <a:rPr lang="es-ES" u="sng" dirty="0"/>
+              <a:t> cache status</a:t>
+            </a:r>
+          </a:p>
+          <a:p>
+            <a:pPr marL="0" indent="0">
+              <a:buNone/>
+            </a:pPr>
+            <a:r>
+              <a:rPr lang="es-ES" dirty="0">
+                <a:hlinkClick r:id="rId3"/>
+              </a:rPr>
+              <a:t>https://webplatform.github.io/docs/apis/appcache/ApplicationCache/status/</a:t>
+            </a:r>
+            <a:endParaRPr lang="es-ES" dirty="0"/>
+          </a:p>
+          <a:p>
+            <a:pPr marL="0" indent="0">
+              <a:buNone/>
+            </a:pPr>
+            <a:r>
+              <a:rPr lang="es-ES" dirty="0">
+                <a:hlinkClick r:id="rId4">
+                  <a:extLst>
+                    <a:ext uri="{A12FA001-AC4F-418D-AE19-62706E023703}">
+                      <ahyp:hlinkClr xmlns:ahyp="http://schemas.microsoft.com/office/drawing/2018/hyperlinkcolor" val="tx"/>
+                    </a:ext>
+                  </a:extLst>
+                </a:hlinkClick>
+              </a:rPr>
+              <a:t>- Kanya Srinisavan</a:t>
+            </a:r>
+            <a:r>
+              <a:rPr lang="es-ES" dirty="0"/>
+              <a:t>: </a:t>
+            </a:r>
+            <a:r>
+              <a:rPr lang="es-ES" dirty="0" err="1"/>
+              <a:t>application</a:t>
+            </a:r>
+            <a:r>
+              <a:rPr lang="es-ES" dirty="0"/>
+              <a:t> cache</a:t>
+            </a:r>
+          </a:p>
+          <a:p>
+            <a:pPr marL="0" indent="0">
+              <a:buNone/>
+            </a:pPr>
+            <a:r>
+              <a:rPr lang="es-ES" dirty="0">
+                <a:hlinkClick r:id="rId5"/>
+              </a:rPr>
+              <a:t>https://www.sitepoint.com/html5-application-cache/</a:t>
+            </a:r>
+            <a:endParaRPr lang="es-ES" dirty="0"/>
+          </a:p>
+          <a:p>
+            <a:pPr marL="0" indent="0">
+              <a:buNone/>
+            </a:pPr>
+            <a:r>
+              <a:rPr lang="es-ES" dirty="0"/>
+              <a:t>- </a:t>
+            </a:r>
+            <a:r>
+              <a:rPr lang="es-ES" b="1" dirty="0"/>
+              <a:t>W3C </a:t>
+            </a:r>
+            <a:r>
+              <a:rPr lang="es-ES" b="1" dirty="0" err="1"/>
+              <a:t>Recommendation</a:t>
+            </a:r>
+            <a:r>
+              <a:rPr lang="es-ES" b="1" dirty="0"/>
+              <a:t> 19 </a:t>
+            </a:r>
+            <a:r>
+              <a:rPr lang="es-ES" b="1" dirty="0" err="1"/>
+              <a:t>April</a:t>
+            </a:r>
+            <a:r>
+              <a:rPr lang="es-ES" b="1" dirty="0"/>
+              <a:t> 2016</a:t>
+            </a:r>
+          </a:p>
+          <a:p>
+            <a:pPr marL="0" indent="0">
+              <a:buNone/>
+            </a:pPr>
+            <a:r>
+              <a:rPr lang="es-ES" dirty="0">
+                <a:hlinkClick r:id="rId6"/>
+              </a:rPr>
+              <a:t>https://www.w3.org/TR/webstorage/</a:t>
+            </a:r>
+            <a:endParaRPr lang="es-ES" dirty="0"/>
+          </a:p>
+          <a:p>
+            <a:pPr>
+              <a:buFontTx/>
+              <a:buChar char="-"/>
+            </a:pPr>
+            <a:r>
+              <a:rPr lang="es-ES" dirty="0"/>
+              <a:t>W3Schools: </a:t>
+            </a:r>
+            <a:r>
+              <a:rPr lang="es-ES" dirty="0" err="1"/>
+              <a:t>webStorage</a:t>
+            </a:r>
+            <a:endParaRPr lang="es-ES" dirty="0"/>
+          </a:p>
+          <a:p>
+            <a:pPr marL="0" indent="0">
+              <a:buNone/>
+            </a:pPr>
+            <a:r>
+              <a:rPr lang="es-ES" dirty="0">
+                <a:hlinkClick r:id="rId7"/>
+              </a:rPr>
+              <a:t>https://www.w3schools.com/html/html5_webstorage.asp</a:t>
+            </a:r>
+            <a:endParaRPr lang="es-ES" dirty="0"/>
+          </a:p>
+          <a:p>
+            <a:pPr marL="0" indent="0">
+              <a:buNone/>
+            </a:pPr>
+            <a:endParaRPr lang="es-ES" dirty="0"/>
+          </a:p>
+          <a:p>
+            <a:pPr marL="0" indent="0">
+              <a:buNone/>
+            </a:pPr>
+            <a:endParaRPr lang="es-ES" dirty="0"/>
           </a:p>
         </p:txBody>
       </p:sp>
     </p:spTree>
     <p:extLst>
       <p:ext uri="{BB962C8B-B14F-4D97-AF65-F5344CB8AC3E}">
-        <p14:creationId xmlns:p14="http://schemas.microsoft.com/office/powerpoint/2010/main" val="4112960781"/>
+        <p14:creationId xmlns:p14="http://schemas.microsoft.com/office/powerpoint/2010/main" val="4052833226"/>
       </p:ext>
     </p:extLst>
   </p:cSld>
